--- a/Cyphal主要高階訊息服務整理.pptx
+++ b/Cyphal主要高階訊息服務整理.pptx
@@ -5,7 +5,7 @@
     <p:sldMasterId id="2147483659" r:id="rId1"/>
   </p:sldMasterIdLst>
   <p:notesMasterIdLst>
-    <p:notesMasterId r:id="rId27"/>
+    <p:notesMasterId r:id="rId25"/>
   </p:notesMasterIdLst>
   <p:sldIdLst>
     <p:sldId id="256" r:id="rId2"/>
@@ -31,8 +31,6 @@
     <p:sldId id="431" r:id="rId22"/>
     <p:sldId id="441" r:id="rId23"/>
     <p:sldId id="442" r:id="rId24"/>
-    <p:sldId id="260" r:id="rId25"/>
-    <p:sldId id="417" r:id="rId26"/>
   </p:sldIdLst>
   <p:sldSz cx="9144000" cy="6858000" type="screen4x3"/>
   <p:notesSz cx="7099300" cy="10234613"/>
@@ -1853,7 +1851,10 @@
           <a:bodyPr/>
           <a:lstStyle/>
           <a:p>
-            <a:endParaRPr lang="zh-TW" altLang="en-US" dirty="0"/>
+            <a:r>
+              <a:rPr lang="zh-TW" altLang="en-US" dirty="0"/>
+              <a:t>使用了現有的服務去完成的</a:t>
+            </a:r>
           </a:p>
         </p:txBody>
       </p:sp>
@@ -2180,6 +2181,97 @@
           <a:bodyPr/>
           <a:lstStyle/>
           <a:p>
+            <a:pPr algn="l">
+              <a:buFont typeface="Arial" panose="020B0604020202020204" pitchFamily="34" charset="0"/>
+              <a:buChar char="•"/>
+            </a:pPr>
+            <a:r>
+              <a:rPr lang="zh-TW" altLang="en-US" b="1" i="0" dirty="0">
+                <a:solidFill>
+                  <a:srgbClr val="E2E2E5"/>
+                </a:solidFill>
+                <a:effectLst/>
+                <a:latin typeface="Google Sans Text"/>
+              </a:rPr>
+              <a:t>心跳用於快速、低開銷的狀態監控和故障檢測。</a:t>
+            </a:r>
+            <a:r>
+              <a:rPr lang="zh-TW" altLang="en-US" b="0" i="0" dirty="0">
+                <a:solidFill>
+                  <a:srgbClr val="E2E2E5"/>
+                </a:solidFill>
+                <a:effectLst/>
+                <a:latin typeface="Google Sans Text"/>
+              </a:rPr>
+              <a:t> 你不能指望通過解析大量的文本日誌來判斷一個節點是否還活著，這太慢了也不可靠。</a:t>
+            </a:r>
+          </a:p>
+          <a:p>
+            <a:pPr algn="l">
+              <a:buFont typeface="Arial" panose="020B0604020202020204" pitchFamily="34" charset="0"/>
+              <a:buChar char="•"/>
+            </a:pPr>
+            <a:r>
+              <a:rPr lang="zh-TW" altLang="en-US" b="1" i="0" dirty="0">
+                <a:solidFill>
+                  <a:srgbClr val="E2E2E5"/>
+                </a:solidFill>
+                <a:effectLst/>
+                <a:latin typeface="Google Sans Text"/>
+              </a:rPr>
+              <a:t>診斷記錄用於深入了解系統行為、排查問題和事後分析。</a:t>
+            </a:r>
+            <a:r>
+              <a:rPr lang="zh-TW" altLang="en-US" b="0" i="0" dirty="0">
+                <a:solidFill>
+                  <a:srgbClr val="E2E2E5"/>
+                </a:solidFill>
+                <a:effectLst/>
+                <a:latin typeface="Google Sans Text"/>
+              </a:rPr>
+              <a:t> 你不能指望只看心跳就知道為什麼系統會進入某個異常狀態，或者某個特定操作的詳細結果。</a:t>
+            </a:r>
+          </a:p>
+          <a:p>
+            <a:endParaRPr lang="en-US" altLang="zh-TW" dirty="0"/>
+          </a:p>
+          <a:p>
+            <a:r>
+              <a:rPr lang="zh-TW" altLang="en-US" dirty="0"/>
+              <a:t>心跳訊息是每秒發送一則，證明他還存在的</a:t>
+            </a:r>
+          </a:p>
+          <a:p>
+            <a:r>
+              <a:rPr lang="zh-TW" altLang="en-US" dirty="0"/>
+              <a:t>診斷是出事情的時候才會有訊息送出來</a:t>
+            </a:r>
+            <a:endParaRPr lang="en-US" altLang="zh-TW" dirty="0"/>
+          </a:p>
+          <a:p>
+            <a:endParaRPr lang="en-US" altLang="zh-TW" dirty="0"/>
+          </a:p>
+          <a:p>
+            <a:r>
+              <a:rPr lang="zh-TW" altLang="en-US" b="0" dirty="0">
+                <a:effectLst/>
+                <a:latin typeface="Google Sans Text"/>
+              </a:rPr>
+              <a:t>兩者提供不同層次、不同用途的信息，互相補充，共同構建了一個更健壯、更可觀測的系統。因此，即使有了心跳，診斷與事件記錄訊息對於理解系統的詳細行為和排查問題仍然是必不可少的。</a:t>
+            </a:r>
+          </a:p>
+          <a:p>
+            <a:r>
+              <a:rPr lang="en-US" altLang="zh-TW" dirty="0" err="1">
+                <a:effectLst/>
+              </a:rPr>
+              <a:t>thumb_upthumb_down</a:t>
+            </a:r>
+            <a:br>
+              <a:rPr lang="en-US" altLang="zh-TW" dirty="0">
+                <a:effectLst/>
+              </a:rPr>
+            </a:br>
             <a:endParaRPr lang="zh-TW" altLang="en-US" dirty="0"/>
           </a:p>
         </p:txBody>
@@ -2616,6 +2708,10 @@
           <a:bodyPr/>
           <a:lstStyle/>
           <a:p>
+            <a:pPr algn="l">
+              <a:buFont typeface="Arial" panose="020B0604020202020204" pitchFamily="34" charset="0"/>
+              <a:buChar char="•"/>
+            </a:pPr>
             <a:endParaRPr lang="zh-TW" altLang="en-US" dirty="0"/>
           </a:p>
         </p:txBody>
@@ -5888,224 +5984,6 @@
     <p:extLst>
       <p:ext uri="{BB962C8B-B14F-4D97-AF65-F5344CB8AC3E}">
         <p14:creationId xmlns:p14="http://schemas.microsoft.com/office/powerpoint/2010/main" val="494120081"/>
-      </p:ext>
-    </p:extLst>
-  </p:cSld>
-  <p:clrMapOvr>
-    <a:masterClrMapping/>
-  </p:clrMapOvr>
-</p:notes>
-</file>
-
-<file path=ppt/notesSlides/notesSlide24.xml><?xml version="1.0" encoding="utf-8"?>
-<p:notes xmlns:a="http://schemas.openxmlformats.org/drawingml/2006/main" xmlns:r="http://schemas.openxmlformats.org/officeDocument/2006/relationships" xmlns:p="http://schemas.openxmlformats.org/presentationml/2006/main" showMasterSp="0" showMasterPhAnim="0">
-  <p:cSld>
-    <p:spTree>
-      <p:nvGrpSpPr>
-        <p:cNvPr id="1" name="Shape 79"/>
-        <p:cNvGrpSpPr/>
-        <p:nvPr/>
-      </p:nvGrpSpPr>
-      <p:grpSpPr>
-        <a:xfrm>
-          <a:off x="0" y="0"/>
-          <a:ext cx="0" cy="0"/>
-          <a:chOff x="0" y="0"/>
-          <a:chExt cx="0" cy="0"/>
-        </a:xfrm>
-      </p:grpSpPr>
-      <p:sp>
-        <p:nvSpPr>
-          <p:cNvPr id="80" name="Google Shape;80;p5:notes"/>
-          <p:cNvSpPr txBox="1">
-            <a:spLocks noGrp="1"/>
-          </p:cNvSpPr>
-          <p:nvPr>
-            <p:ph type="body" idx="1"/>
-          </p:nvPr>
-        </p:nvSpPr>
-        <p:spPr>
-          <a:xfrm>
-            <a:off x="709613" y="4860925"/>
-            <a:ext cx="5680075" cy="4605338"/>
-          </a:xfrm>
-          <a:prstGeom prst="rect">
-            <a:avLst/>
-          </a:prstGeom>
-        </p:spPr>
-        <p:txBody>
-          <a:bodyPr spcFirstLastPara="1" wrap="square" lIns="91425" tIns="45700" rIns="91425" bIns="45700" anchor="t" anchorCtr="0">
-            <a:noAutofit/>
-          </a:bodyPr>
-          <a:lstStyle/>
-          <a:p>
-            <a:pPr marL="0" lvl="0" indent="0" algn="l" rtl="0">
-              <a:spcBef>
-                <a:spcPts val="0"/>
-              </a:spcBef>
-              <a:spcAft>
-                <a:spcPts val="0"/>
-              </a:spcAft>
-              <a:buNone/>
-            </a:pPr>
-            <a:endParaRPr/>
-          </a:p>
-        </p:txBody>
-      </p:sp>
-      <p:sp>
-        <p:nvSpPr>
-          <p:cNvPr id="81" name="Google Shape;81;p5:notes"/>
-          <p:cNvSpPr>
-            <a:spLocks noGrp="1" noRot="1" noChangeAspect="1"/>
-          </p:cNvSpPr>
-          <p:nvPr>
-            <p:ph type="sldImg" idx="2"/>
-          </p:nvPr>
-        </p:nvSpPr>
-        <p:spPr>
-          <a:xfrm>
-            <a:off x="992188" y="768350"/>
-            <a:ext cx="5114925" cy="3836988"/>
-          </a:xfrm>
-          <a:custGeom>
-            <a:avLst/>
-            <a:gdLst/>
-            <a:ahLst/>
-            <a:cxnLst/>
-            <a:rect l="l" t="t" r="r" b="b"/>
-            <a:pathLst>
-              <a:path w="120000" h="120000" extrusionOk="0">
-                <a:moveTo>
-                  <a:pt x="0" y="0"/>
-                </a:moveTo>
-                <a:lnTo>
-                  <a:pt x="120000" y="0"/>
-                </a:lnTo>
-                <a:lnTo>
-                  <a:pt x="120000" y="120000"/>
-                </a:lnTo>
-                <a:lnTo>
-                  <a:pt x="0" y="120000"/>
-                </a:lnTo>
-                <a:close/>
-              </a:path>
-            </a:pathLst>
-          </a:custGeom>
-        </p:spPr>
-      </p:sp>
-    </p:spTree>
-    <p:extLst>
-      <p:ext uri="{BB962C8B-B14F-4D97-AF65-F5344CB8AC3E}">
-        <p14:creationId xmlns:p14="http://schemas.microsoft.com/office/powerpoint/2010/main" val="1825491398"/>
-      </p:ext>
-    </p:extLst>
-  </p:cSld>
-  <p:clrMapOvr>
-    <a:masterClrMapping/>
-  </p:clrMapOvr>
-</p:notes>
-</file>
-
-<file path=ppt/notesSlides/notesSlide25.xml><?xml version="1.0" encoding="utf-8"?>
-<p:notes xmlns:a="http://schemas.openxmlformats.org/drawingml/2006/main" xmlns:r="http://schemas.openxmlformats.org/officeDocument/2006/relationships" xmlns:p="http://schemas.openxmlformats.org/presentationml/2006/main">
-  <p:cSld>
-    <p:spTree>
-      <p:nvGrpSpPr>
-        <p:cNvPr id="1" name=""/>
-        <p:cNvGrpSpPr/>
-        <p:nvPr/>
-      </p:nvGrpSpPr>
-      <p:grpSpPr>
-        <a:xfrm>
-          <a:off x="0" y="0"/>
-          <a:ext cx="0" cy="0"/>
-          <a:chOff x="0" y="0"/>
-          <a:chExt cx="0" cy="0"/>
-        </a:xfrm>
-      </p:grpSpPr>
-      <p:sp>
-        <p:nvSpPr>
-          <p:cNvPr id="2" name="投影片影像版面配置區 1"/>
-          <p:cNvSpPr>
-            <a:spLocks noGrp="1" noRot="1" noChangeAspect="1"/>
-          </p:cNvSpPr>
-          <p:nvPr>
-            <p:ph type="sldImg"/>
-          </p:nvPr>
-        </p:nvSpPr>
-        <p:spPr/>
-      </p:sp>
-      <p:sp>
-        <p:nvSpPr>
-          <p:cNvPr id="3" name="備忘稿版面配置區 2"/>
-          <p:cNvSpPr>
-            <a:spLocks noGrp="1"/>
-          </p:cNvSpPr>
-          <p:nvPr>
-            <p:ph type="body" idx="1"/>
-          </p:nvPr>
-        </p:nvSpPr>
-        <p:spPr/>
-        <p:txBody>
-          <a:bodyPr/>
-          <a:lstStyle/>
-          <a:p>
-            <a:endParaRPr lang="zh-TW" altLang="en-US" dirty="0"/>
-          </a:p>
-        </p:txBody>
-      </p:sp>
-      <p:sp>
-        <p:nvSpPr>
-          <p:cNvPr id="4" name="投影片編號版面配置區 3"/>
-          <p:cNvSpPr>
-            <a:spLocks noGrp="1"/>
-          </p:cNvSpPr>
-          <p:nvPr>
-            <p:ph type="sldNum" idx="12"/>
-          </p:nvPr>
-        </p:nvSpPr>
-        <p:spPr/>
-        <p:txBody>
-          <a:bodyPr/>
-          <a:lstStyle/>
-          <a:p>
-            <a:pPr marL="0" marR="0" lvl="0" indent="0" algn="r" rtl="0">
-              <a:spcBef>
-                <a:spcPts val="0"/>
-              </a:spcBef>
-              <a:spcAft>
-                <a:spcPts val="0"/>
-              </a:spcAft>
-              <a:buNone/>
-            </a:pPr>
-            <a:fld id="{00000000-1234-1234-1234-123412341234}" type="slidenum">
-              <a:rPr lang="en-US" altLang="zh-TW" sz="1200" b="0" i="1" u="none" strike="noStrike" cap="none" smtClean="0">
-                <a:solidFill>
-                  <a:schemeClr val="dk1"/>
-                </a:solidFill>
-                <a:latin typeface="Times New Roman"/>
-                <a:ea typeface="Times New Roman"/>
-                <a:cs typeface="Times New Roman"/>
-                <a:sym typeface="Times New Roman"/>
-              </a:rPr>
-              <a:t>25</a:t>
-            </a:fld>
-            <a:endParaRPr lang="zh-TW" altLang="en-US" sz="1200" b="0" i="1" u="none" strike="noStrike" cap="none">
-              <a:solidFill>
-                <a:schemeClr val="dk1"/>
-              </a:solidFill>
-              <a:latin typeface="Times New Roman"/>
-              <a:ea typeface="Times New Roman"/>
-              <a:cs typeface="Times New Roman"/>
-              <a:sym typeface="Times New Roman"/>
-            </a:endParaRPr>
-          </a:p>
-        </p:txBody>
-      </p:sp>
-    </p:spTree>
-    <p:extLst>
-      <p:ext uri="{BB962C8B-B14F-4D97-AF65-F5344CB8AC3E}">
-        <p14:creationId xmlns:p14="http://schemas.microsoft.com/office/powerpoint/2010/main" val="2829708325"/>
       </p:ext>
     </p:extLst>
   </p:cSld>
@@ -13824,7 +13702,7 @@
                 <a:ea typeface="標楷體" panose="03000509000000000000" pitchFamily="65" charset="-120"/>
                 <a:cs typeface="Times New Roman" panose="02020603050405020304" pitchFamily="18" charset="0"/>
               </a:rPr>
-              <a:t>固定主題 </a:t>
+              <a:t>固定服務 </a:t>
             </a:r>
             <a:r>
               <a:rPr lang="en-US" altLang="zh-TW" dirty="0">
@@ -14593,12 +14471,12 @@
               <a:t>: </a:t>
             </a:r>
             <a:r>
-              <a:rPr lang="en-US" altLang="zh-TW" dirty="0" err="1">
-                <a:latin typeface="Times New Roman" panose="02020603050405020304" pitchFamily="18" charset="0"/>
-                <a:ea typeface="標楷體" panose="03000509000000000000" pitchFamily="65" charset="-120"/>
-                <a:cs typeface="Times New Roman" panose="02020603050405020304" pitchFamily="18" charset="0"/>
-              </a:rPr>
-              <a:t>uavcan.time.Synchronization</a:t>
+              <a:rPr lang="zh-TW" altLang="en-US" dirty="0">
+                <a:latin typeface="Times New Roman" panose="02020603050405020304" pitchFamily="18" charset="0"/>
+                <a:ea typeface="標楷體" panose="03000509000000000000" pitchFamily="65" charset="-120"/>
+                <a:cs typeface="Times New Roman" panose="02020603050405020304" pitchFamily="18" charset="0"/>
+              </a:rPr>
+              <a:t>協議無獨立訊息全名</a:t>
             </a:r>
             <a:endParaRPr lang="en-US" altLang="zh-TW" dirty="0">
               <a:latin typeface="Times New Roman" panose="02020603050405020304" pitchFamily="18" charset="0"/>
@@ -14613,7 +14491,7 @@
                 <a:ea typeface="標楷體" panose="03000509000000000000" pitchFamily="65" charset="-120"/>
                 <a:cs typeface="Times New Roman" panose="02020603050405020304" pitchFamily="18" charset="0"/>
               </a:rPr>
-              <a:t>固定主題 </a:t>
+              <a:t>固定服務 </a:t>
             </a:r>
             <a:r>
               <a:rPr lang="en-US" altLang="zh-TW" dirty="0">
@@ -14674,7 +14552,7 @@
                 <a:ea typeface="標楷體" panose="03000509000000000000" pitchFamily="65" charset="-120"/>
                 <a:cs typeface="Times New Roman" panose="02020603050405020304" pitchFamily="18" charset="0"/>
               </a:rPr>
-              <a:t>發布</a:t>
+              <a:t>請求</a:t>
             </a:r>
             <a:r>
               <a:rPr lang="en-US" altLang="zh-TW" dirty="0">
@@ -14696,7 +14574,7 @@
                 <a:ea typeface="標楷體" panose="03000509000000000000" pitchFamily="65" charset="-120"/>
                 <a:cs typeface="Times New Roman" panose="02020603050405020304" pitchFamily="18" charset="0"/>
               </a:rPr>
-              <a:t>訂閱模式</a:t>
+              <a:t>回應模式</a:t>
             </a:r>
             <a:endParaRPr lang="en-US" altLang="zh-TW" dirty="0">
               <a:solidFill>
@@ -14722,15 +14600,15 @@
                 <a:ea typeface="標楷體" panose="03000509000000000000" pitchFamily="65" charset="-120"/>
                 <a:cs typeface="Times New Roman" panose="02020603050405020304" pitchFamily="18" charset="0"/>
               </a:rPr>
-              <a:t>: </a:t>
-            </a:r>
-            <a:r>
-              <a:rPr lang="zh-TW" altLang="en-US" dirty="0">
-                <a:latin typeface="Times New Roman" panose="02020603050405020304" pitchFamily="18" charset="0"/>
-                <a:ea typeface="標楷體" panose="03000509000000000000" pitchFamily="65" charset="-120"/>
-                <a:cs typeface="Times New Roman" panose="02020603050405020304" pitchFamily="18" charset="0"/>
-              </a:rPr>
-              <a:t>通過組合通用的 </a:t>
+              <a:t>:</a:t>
+            </a:r>
+            <a:r>
+              <a:rPr lang="zh-TW" altLang="en-US" dirty="0">
+                <a:latin typeface="Times New Roman" panose="02020603050405020304" pitchFamily="18" charset="0"/>
+                <a:ea typeface="標楷體" panose="03000509000000000000" pitchFamily="65" charset="-120"/>
+                <a:cs typeface="Times New Roman" panose="02020603050405020304" pitchFamily="18" charset="0"/>
+              </a:rPr>
+              <a:t> 通過組合通用的 </a:t>
             </a:r>
             <a:r>
               <a:rPr lang="en-US" altLang="zh-TW" dirty="0" err="1">
@@ -14754,7 +14632,7 @@
                 <a:ea typeface="標楷體" panose="03000509000000000000" pitchFamily="65" charset="-120"/>
                 <a:cs typeface="Times New Roman" panose="02020603050405020304" pitchFamily="18" charset="0"/>
               </a:rPr>
-              <a:t>服務和標準的 </a:t>
+              <a:t>服務（用於啟動和傳遞檔案路徑）和標準的 </a:t>
             </a:r>
             <a:r>
               <a:rPr lang="en-US" altLang="zh-TW" dirty="0" err="1">
@@ -14778,7 +14656,7 @@
                 <a:ea typeface="標楷體" panose="03000509000000000000" pitchFamily="65" charset="-120"/>
                 <a:cs typeface="Times New Roman" panose="02020603050405020304" pitchFamily="18" charset="0"/>
               </a:rPr>
-              <a:t>服務，實現了標準化、的遠程韌體更新機制。</a:t>
+              <a:t>服務（用於下載映像檔），實現標準化的遠程韌體更新機制。</a:t>
             </a:r>
             <a:endParaRPr lang="en-US" altLang="zh-TW" dirty="0">
               <a:latin typeface="Times New Roman" panose="02020603050405020304" pitchFamily="18" charset="0"/>
@@ -14820,20 +14698,12 @@
           <a:p>
             <a:pPr lvl="1"/>
             <a:r>
-              <a:rPr lang="zh-TW" altLang="en-US" dirty="0">
-                <a:latin typeface="Times New Roman" panose="02020603050405020304" pitchFamily="18" charset="0"/>
-                <a:ea typeface="標楷體" panose="03000509000000000000" pitchFamily="65" charset="-120"/>
-                <a:cs typeface="Times New Roman" panose="02020603050405020304" pitchFamily="18" charset="0"/>
-              </a:rPr>
-              <a:t>使用遠端檔案系統介面 </a:t>
-            </a:r>
-            <a:r>
               <a:rPr lang="en-US" altLang="zh-TW" dirty="0" err="1">
                 <a:latin typeface="Times New Roman" panose="02020603050405020304" pitchFamily="18" charset="0"/>
                 <a:ea typeface="標楷體" panose="03000509000000000000" pitchFamily="65" charset="-120"/>
                 <a:cs typeface="Times New Roman" panose="02020603050405020304" pitchFamily="18" charset="0"/>
               </a:rPr>
-              <a:t>uavcan.file.Read</a:t>
+              <a:t>ExecuteCommand</a:t>
             </a:r>
             <a:r>
               <a:rPr lang="en-US" altLang="zh-TW" dirty="0">
@@ -14849,26 +14719,50 @@
                 <a:ea typeface="標楷體" panose="03000509000000000000" pitchFamily="65" charset="-120"/>
                 <a:cs typeface="Times New Roman" panose="02020603050405020304" pitchFamily="18" charset="0"/>
               </a:rPr>
-              <a:t>服務來從檔案伺服器下載軟體映像檔。</a:t>
+              <a:t>請求 </a:t>
+            </a:r>
+            <a:r>
+              <a:rPr lang="en-US" altLang="zh-TW" dirty="0">
+                <a:latin typeface="Times New Roman" panose="02020603050405020304" pitchFamily="18" charset="0"/>
+                <a:ea typeface="標楷體" panose="03000509000000000000" pitchFamily="65" charset="-120"/>
+                <a:cs typeface="Times New Roman" panose="02020603050405020304" pitchFamily="18" charset="0"/>
+              </a:rPr>
+              <a:t>(command, parameter) </a:t>
+            </a:r>
+            <a:r>
+              <a:rPr lang="zh-TW" altLang="en-US" dirty="0">
+                <a:latin typeface="Times New Roman" panose="02020603050405020304" pitchFamily="18" charset="0"/>
+                <a:ea typeface="標楷體" panose="03000509000000000000" pitchFamily="65" charset="-120"/>
+                <a:cs typeface="Times New Roman" panose="02020603050405020304" pitchFamily="18" charset="0"/>
+              </a:rPr>
+              <a:t>和回應 </a:t>
+            </a:r>
+            <a:r>
+              <a:rPr lang="en-US" altLang="zh-TW" dirty="0">
+                <a:latin typeface="Times New Roman" panose="02020603050405020304" pitchFamily="18" charset="0"/>
+                <a:ea typeface="標楷體" panose="03000509000000000000" pitchFamily="65" charset="-120"/>
+                <a:cs typeface="Times New Roman" panose="02020603050405020304" pitchFamily="18" charset="0"/>
+              </a:rPr>
+              <a:t>(status)</a:t>
+            </a:r>
+            <a:r>
+              <a:rPr lang="zh-TW" altLang="en-US" dirty="0">
+                <a:latin typeface="Times New Roman" panose="02020603050405020304" pitchFamily="18" charset="0"/>
+                <a:ea typeface="標楷體" panose="03000509000000000000" pitchFamily="65" charset="-120"/>
+                <a:cs typeface="Times New Roman" panose="02020603050405020304" pitchFamily="18" charset="0"/>
+              </a:rPr>
+              <a:t>。</a:t>
             </a:r>
           </a:p>
           <a:p>
             <a:pPr lvl="1"/>
             <a:r>
-              <a:rPr lang="zh-TW" altLang="en-US" dirty="0">
-                <a:latin typeface="Times New Roman" panose="02020603050405020304" pitchFamily="18" charset="0"/>
-                <a:ea typeface="標楷體" panose="03000509000000000000" pitchFamily="65" charset="-120"/>
-                <a:cs typeface="Times New Roman" panose="02020603050405020304" pitchFamily="18" charset="0"/>
-              </a:rPr>
-              <a:t>使用通用節點指令 </a:t>
-            </a:r>
-            <a:r>
               <a:rPr lang="en-US" altLang="zh-TW" dirty="0" err="1">
                 <a:latin typeface="Times New Roman" panose="02020603050405020304" pitchFamily="18" charset="0"/>
                 <a:ea typeface="標楷體" panose="03000509000000000000" pitchFamily="65" charset="-120"/>
                 <a:cs typeface="Times New Roman" panose="02020603050405020304" pitchFamily="18" charset="0"/>
               </a:rPr>
-              <a:t>uavcan.node.ExecuteCommand</a:t>
+              <a:t>file.Read</a:t>
             </a:r>
             <a:r>
               <a:rPr lang="en-US" altLang="zh-TW" dirty="0">
@@ -14884,23 +14778,39 @@
                 <a:ea typeface="標楷體" panose="03000509000000000000" pitchFamily="65" charset="-120"/>
                 <a:cs typeface="Times New Roman" panose="02020603050405020304" pitchFamily="18" charset="0"/>
               </a:rPr>
-              <a:t>服務中的 </a:t>
-            </a:r>
-            <a:r>
-              <a:rPr lang="en-US" altLang="zh-TW" dirty="0">
-                <a:latin typeface="Times New Roman" panose="02020603050405020304" pitchFamily="18" charset="0"/>
-                <a:ea typeface="標楷體" panose="03000509000000000000" pitchFamily="65" charset="-120"/>
-                <a:cs typeface="Times New Roman" panose="02020603050405020304" pitchFamily="18" charset="0"/>
-              </a:rPr>
-              <a:t>COMMAND_BEGIN_SOFTWARE_UPDATE </a:t>
-            </a:r>
-            <a:r>
-              <a:rPr lang="zh-TW" altLang="en-US" dirty="0">
-                <a:latin typeface="Times New Roman" panose="02020603050405020304" pitchFamily="18" charset="0"/>
-                <a:ea typeface="標楷體" panose="03000509000000000000" pitchFamily="65" charset="-120"/>
-                <a:cs typeface="Times New Roman" panose="02020603050405020304" pitchFamily="18" charset="0"/>
-              </a:rPr>
-              <a:t>指令來啟動和控制更新過程。</a:t>
+              <a:t>請求 </a:t>
+            </a:r>
+            <a:r>
+              <a:rPr lang="en-US" altLang="zh-TW" dirty="0">
+                <a:latin typeface="Times New Roman" panose="02020603050405020304" pitchFamily="18" charset="0"/>
+                <a:ea typeface="標楷體" panose="03000509000000000000" pitchFamily="65" charset="-120"/>
+                <a:cs typeface="Times New Roman" panose="02020603050405020304" pitchFamily="18" charset="0"/>
+              </a:rPr>
+              <a:t>(path, offset) </a:t>
+            </a:r>
+            <a:r>
+              <a:rPr lang="zh-TW" altLang="en-US" dirty="0">
+                <a:latin typeface="Times New Roman" panose="02020603050405020304" pitchFamily="18" charset="0"/>
+                <a:ea typeface="標楷體" panose="03000509000000000000" pitchFamily="65" charset="-120"/>
+                <a:cs typeface="Times New Roman" panose="02020603050405020304" pitchFamily="18" charset="0"/>
+              </a:rPr>
+              <a:t>和回應 </a:t>
+            </a:r>
+            <a:r>
+              <a:rPr lang="en-US" altLang="zh-TW" dirty="0">
+                <a:latin typeface="Times New Roman" panose="02020603050405020304" pitchFamily="18" charset="0"/>
+                <a:ea typeface="標楷體" panose="03000509000000000000" pitchFamily="65" charset="-120"/>
+                <a:cs typeface="Times New Roman" panose="02020603050405020304" pitchFamily="18" charset="0"/>
+              </a:rPr>
+              <a:t>(error, data)</a:t>
+            </a:r>
+            <a:r>
+              <a:rPr lang="zh-TW" altLang="en-US" dirty="0">
+                <a:latin typeface="Times New Roman" panose="02020603050405020304" pitchFamily="18" charset="0"/>
+                <a:ea typeface="標楷體" panose="03000509000000000000" pitchFamily="65" charset="-120"/>
+                <a:cs typeface="Times New Roman" panose="02020603050405020304" pitchFamily="18" charset="0"/>
+              </a:rPr>
+              <a:t>。</a:t>
             </a:r>
             <a:endParaRPr lang="en-US" altLang="zh-TW" dirty="0">
               <a:latin typeface="Times New Roman" panose="02020603050405020304" pitchFamily="18" charset="0"/>
@@ -15074,7 +14984,7 @@
                 <a:ea typeface="標楷體" panose="03000509000000000000" pitchFamily="65" charset="-120"/>
                 <a:cs typeface="Times New Roman" panose="02020603050405020304" pitchFamily="18" charset="0"/>
               </a:rPr>
-              <a:t>固定主題 </a:t>
+              <a:t>固定服務 </a:t>
             </a:r>
             <a:r>
               <a:rPr lang="en-US" altLang="zh-TW" dirty="0">
@@ -15174,7 +15084,7 @@
                 <a:ea typeface="標楷體" panose="03000509000000000000" pitchFamily="65" charset="-120"/>
                 <a:cs typeface="Times New Roman" panose="02020603050405020304" pitchFamily="18" charset="0"/>
               </a:rPr>
-              <a:t>發布</a:t>
+              <a:t>請求</a:t>
             </a:r>
             <a:r>
               <a:rPr lang="en-US" altLang="zh-TW" dirty="0">
@@ -15196,7 +15106,7 @@
                 <a:ea typeface="標楷體" panose="03000509000000000000" pitchFamily="65" charset="-120"/>
                 <a:cs typeface="Times New Roman" panose="02020603050405020304" pitchFamily="18" charset="0"/>
               </a:rPr>
-              <a:t>訂閱模式</a:t>
+              <a:t>回應模式</a:t>
             </a:r>
             <a:endParaRPr lang="en-US" altLang="zh-TW" dirty="0">
               <a:latin typeface="Times New Roman" panose="02020603050405020304" pitchFamily="18" charset="0"/>
@@ -15259,7 +15169,7 @@
                 <a:ea typeface="標楷體" panose="03000509000000000000" pitchFamily="65" charset="-120"/>
                 <a:cs typeface="Times New Roman" panose="02020603050405020304" pitchFamily="18" charset="0"/>
               </a:rPr>
-              <a:t>節點內部的一個具名的、可通過標準 </a:t>
+              <a:t> 節點內部的一個具名的、可通過標準 </a:t>
             </a:r>
             <a:r>
               <a:rPr lang="en-US" altLang="zh-TW" dirty="0" err="1">
@@ -15449,7 +15359,7 @@
                 <a:ea typeface="標楷體" panose="03000509000000000000" pitchFamily="65" charset="-120"/>
                 <a:cs typeface="Times New Roman" panose="02020603050405020304" pitchFamily="18" charset="0"/>
               </a:rPr>
-              <a:t> 讀取到的暫存器的當前值，如果寫入成功，這裡返回的是寫入後的新值。</a:t>
+              <a:t> 讀取到的暫存器的當前值以及其屬性，如果寫入成功，這裡返回的是寫入後的新值。</a:t>
             </a:r>
             <a:endParaRPr lang="en-US" altLang="zh-TW" dirty="0">
               <a:latin typeface="Times New Roman" panose="02020603050405020304" pitchFamily="18" charset="0"/>
@@ -15505,7 +15415,12 @@
             <p:ph type="title"/>
           </p:nvPr>
         </p:nvSpPr>
-        <p:spPr/>
+        <p:spPr>
+          <a:xfrm>
+            <a:off x="457200" y="182563"/>
+            <a:ext cx="8229600" cy="473075"/>
+          </a:xfrm>
+        </p:spPr>
         <p:txBody>
           <a:bodyPr/>
           <a:lstStyle/>
@@ -15601,7 +15516,7 @@
                 <a:ea typeface="標楷體" panose="03000509000000000000" pitchFamily="65" charset="-120"/>
                 <a:cs typeface="Times New Roman" panose="02020603050405020304" pitchFamily="18" charset="0"/>
               </a:rPr>
-              <a:t>列出伺服器節點上所有可用的暫存器的名稱。</a:t>
+              <a:t> 列出伺服器節點上所有可用的暫存器的名稱。</a:t>
             </a:r>
             <a:endParaRPr lang="en-US" altLang="zh-TW" dirty="0">
               <a:latin typeface="Times New Roman" panose="02020603050405020304" pitchFamily="18" charset="0"/>
@@ -15633,7 +15548,7 @@
                 <a:ea typeface="標楷體" panose="03000509000000000000" pitchFamily="65" charset="-120"/>
                 <a:cs typeface="Times New Roman" panose="02020603050405020304" pitchFamily="18" charset="0"/>
               </a:rPr>
-              <a:t> 讀取到的暫存器的當前值，如果寫入成功，這裡返回的是寫入後的新值。</a:t>
+              <a:t> 包含對應索引的暫存器名稱（如果索引無效則返回空名稱）。</a:t>
             </a:r>
             <a:endParaRPr lang="en-US" altLang="zh-TW" dirty="0">
               <a:latin typeface="Times New Roman" panose="02020603050405020304" pitchFamily="18" charset="0"/>
@@ -15642,10 +15557,32 @@
             </a:endParaRPr>
           </a:p>
           <a:p>
+            <a:pPr lvl="1"/>
+            <a:endParaRPr lang="en-US" altLang="zh-TW" dirty="0">
+              <a:latin typeface="Times New Roman" panose="02020603050405020304" pitchFamily="18" charset="0"/>
+              <a:ea typeface="標楷體" panose="03000509000000000000" pitchFamily="65" charset="-120"/>
+              <a:cs typeface="Times New Roman" panose="02020603050405020304" pitchFamily="18" charset="0"/>
+            </a:endParaRPr>
+          </a:p>
+          <a:p>
             <a:pPr marL="114300" indent="0">
               <a:buNone/>
             </a:pPr>
+            <a:r>
+              <a:rPr lang="zh-TW" altLang="en-US" dirty="0">
+                <a:solidFill>
+                  <a:srgbClr val="FF0000"/>
+                </a:solidFill>
+                <a:latin typeface="Times New Roman" panose="02020603050405020304" pitchFamily="18" charset="0"/>
+                <a:ea typeface="標楷體" panose="03000509000000000000" pitchFamily="65" charset="-120"/>
+                <a:cs typeface="Times New Roman" panose="02020603050405020304" pitchFamily="18" charset="0"/>
+              </a:rPr>
+              <a:t>一個節點可以定義和管理多個具有不同名稱的暫存器。</a:t>
+            </a:r>
             <a:endParaRPr lang="en-US" altLang="zh-TW" dirty="0">
+              <a:solidFill>
+                <a:srgbClr val="FF0000"/>
+              </a:solidFill>
               <a:latin typeface="Times New Roman" panose="02020603050405020304" pitchFamily="18" charset="0"/>
               <a:ea typeface="標楷體" panose="03000509000000000000" pitchFamily="65" charset="-120"/>
               <a:cs typeface="Times New Roman" panose="02020603050405020304" pitchFamily="18" charset="0"/>
@@ -18333,8 +18270,8 @@
         </p:nvSpPr>
         <p:spPr>
           <a:xfrm>
-            <a:off x="457200" y="184975"/>
-            <a:ext cx="8229600" cy="477013"/>
+            <a:off x="457200" y="138808"/>
+            <a:ext cx="8229600" cy="523180"/>
           </a:xfrm>
         </p:spPr>
         <p:txBody>
@@ -18342,20 +18279,33 @@
           <a:lstStyle/>
           <a:p>
             <a:r>
-              <a:rPr lang="en-US" altLang="zh-TW" dirty="0">
-                <a:latin typeface="Times New Roman" panose="02020603050405020304" pitchFamily="18" charset="0"/>
-                <a:ea typeface="標楷體" panose="03000509000000000000" pitchFamily="65" charset="-120"/>
-                <a:cs typeface="Times New Roman" panose="02020603050405020304" pitchFamily="18" charset="0"/>
-              </a:rPr>
-              <a:t>DSDL </a:t>
-            </a:r>
-            <a:r>
-              <a:rPr lang="zh-TW" altLang="en-US" dirty="0">
-                <a:latin typeface="標楷體" panose="03000509000000000000" pitchFamily="65" charset="-120"/>
-                <a:ea typeface="標楷體" panose="03000509000000000000" pitchFamily="65" charset="-120"/>
-              </a:rPr>
-              <a:t>在訊息中的表現</a:t>
-            </a:r>
+              <a:rPr lang="en-US" altLang="zh-TW" sz="2800" kern="100" dirty="0" err="1">
+                <a:latin typeface="Times New Roman" panose="02020603050405020304" pitchFamily="18" charset="0"/>
+                <a:ea typeface="標楷體" panose="03000509000000000000" pitchFamily="65" charset="-120"/>
+                <a:cs typeface="Times New Roman" panose="02020603050405020304" pitchFamily="18" charset="0"/>
+              </a:rPr>
+              <a:t>Cyphal</a:t>
+            </a:r>
+            <a:r>
+              <a:rPr lang="en-US" altLang="zh-TW" sz="2800" kern="100" dirty="0">
+                <a:latin typeface="Times New Roman" panose="02020603050405020304" pitchFamily="18" charset="0"/>
+                <a:ea typeface="標楷體" panose="03000509000000000000" pitchFamily="65" charset="-120"/>
+                <a:cs typeface="Times New Roman" panose="02020603050405020304" pitchFamily="18" charset="0"/>
+              </a:rPr>
+              <a:t> </a:t>
+            </a:r>
+            <a:r>
+              <a:rPr lang="zh-TW" altLang="en-US" sz="2800" kern="100" dirty="0">
+                <a:latin typeface="Times New Roman" panose="02020603050405020304" pitchFamily="18" charset="0"/>
+                <a:ea typeface="標楷體" panose="03000509000000000000" pitchFamily="65" charset="-120"/>
+                <a:cs typeface="Times New Roman" panose="02020603050405020304" pitchFamily="18" charset="0"/>
+              </a:rPr>
+              <a:t>各服務在訊框中有差異的地方</a:t>
+            </a:r>
+            <a:endParaRPr lang="zh-TW" altLang="en-US" dirty="0">
+              <a:latin typeface="標楷體" panose="03000509000000000000" pitchFamily="65" charset="-120"/>
+              <a:ea typeface="標楷體" panose="03000509000000000000" pitchFamily="65" charset="-120"/>
+            </a:endParaRPr>
           </a:p>
         </p:txBody>
       </p:sp>
@@ -18897,7 +18847,7 @@
                 <a:ea typeface="標楷體" panose="03000509000000000000" pitchFamily="65" charset="-120"/>
                 <a:cs typeface="Times New Roman" panose="02020603050405020304" pitchFamily="18" charset="0"/>
               </a:rPr>
-              <a:t>固定主題 </a:t>
+              <a:t>固定服務 </a:t>
             </a:r>
             <a:r>
               <a:rPr lang="en-US" altLang="zh-TW" dirty="0">
@@ -19275,7 +19225,7 @@
                 <a:ea typeface="標楷體" panose="03000509000000000000" pitchFamily="65" charset="-120"/>
                 <a:cs typeface="Times New Roman" panose="02020603050405020304" pitchFamily="18" charset="0"/>
               </a:rPr>
-              <a:t>固定主題 </a:t>
+              <a:t>固定服務 </a:t>
             </a:r>
             <a:r>
               <a:rPr lang="en-US" altLang="zh-TW" dirty="0">
@@ -20492,11 +20442,30 @@
           <a:bodyPr/>
           <a:lstStyle/>
           <a:p>
-            <a:endParaRPr lang="zh-TW" altLang="en-US" dirty="0">
-              <a:latin typeface="Times New Roman" panose="02020603050405020304" pitchFamily="18" charset="0"/>
-              <a:ea typeface="標楷體" panose="03000509000000000000" pitchFamily="65" charset="-120"/>
-              <a:cs typeface="Times New Roman" panose="02020603050405020304" pitchFamily="18" charset="0"/>
-            </a:endParaRPr>
+            <a:r>
+              <a:rPr lang="en-US" altLang="zh-TW" dirty="0" err="1">
+                <a:latin typeface="Times New Roman" panose="02020603050405020304" pitchFamily="18" charset="0"/>
+                <a:ea typeface="標楷體" panose="03000509000000000000" pitchFamily="65" charset="-120"/>
+                <a:cs typeface="Times New Roman" panose="02020603050405020304" pitchFamily="18" charset="0"/>
+              </a:rPr>
+              <a:t>Cyphal</a:t>
+            </a:r>
+            <a:r>
+              <a:rPr lang="en-US" altLang="zh-TW" dirty="0">
+                <a:latin typeface="Times New Roman" panose="02020603050405020304" pitchFamily="18" charset="0"/>
+                <a:ea typeface="標楷體" panose="03000509000000000000" pitchFamily="65" charset="-120"/>
+                <a:cs typeface="Times New Roman" panose="02020603050405020304" pitchFamily="18" charset="0"/>
+              </a:rPr>
+              <a:t> </a:t>
+            </a:r>
+            <a:r>
+              <a:rPr lang="zh-TW" altLang="en-US" dirty="0">
+                <a:latin typeface="Times New Roman" panose="02020603050405020304" pitchFamily="18" charset="0"/>
+                <a:ea typeface="標楷體" panose="03000509000000000000" pitchFamily="65" charset="-120"/>
+                <a:cs typeface="Times New Roman" panose="02020603050405020304" pitchFamily="18" charset="0"/>
+              </a:rPr>
+              <a:t>功能使用分類</a:t>
+            </a:r>
           </a:p>
         </p:txBody>
       </p:sp>
@@ -20578,7 +20547,7 @@
                 <a:ea typeface="標楷體" panose="03000509000000000000" pitchFamily="65" charset="-120"/>
                 <a:cs typeface="Times New Roman" panose="02020603050405020304" pitchFamily="18" charset="0"/>
               </a:rPr>
-              <a:t>uavcan.node.GetInfo</a:t>
+              <a:t>Uavcan.node.GetInfo</a:t>
             </a:r>
             <a:r>
               <a:rPr lang="en-US" altLang="zh-TW" dirty="0">
@@ -20613,7 +20582,7 @@
                 <a:ea typeface="標楷體" panose="03000509000000000000" pitchFamily="65" charset="-120"/>
                 <a:cs typeface="Times New Roman" panose="02020603050405020304" pitchFamily="18" charset="0"/>
               </a:rPr>
-              <a:t>uavcan.register.Access</a:t>
+              <a:t>Uavcan.register.Access</a:t>
             </a:r>
             <a:r>
               <a:rPr lang="en-US" altLang="zh-TW" dirty="0">
@@ -20648,7 +20617,7 @@
                 <a:ea typeface="標楷體" panose="03000509000000000000" pitchFamily="65" charset="-120"/>
                 <a:cs typeface="Times New Roman" panose="02020603050405020304" pitchFamily="18" charset="0"/>
               </a:rPr>
-              <a:t>uavcan.diagnostic.Record</a:t>
+              <a:t>Uavcan.diagnostic.Record</a:t>
             </a:r>
             <a:r>
               <a:rPr lang="en-US" altLang="zh-TW" dirty="0">
@@ -20683,7 +20652,7 @@
                 <a:ea typeface="標楷體" panose="03000509000000000000" pitchFamily="65" charset="-120"/>
                 <a:cs typeface="Times New Roman" panose="02020603050405020304" pitchFamily="18" charset="0"/>
               </a:rPr>
-              <a:t>uavcan.time.Synchronization</a:t>
+              <a:t>Uavcan.time.Synchronization</a:t>
             </a:r>
             <a:r>
               <a:rPr lang="en-US" altLang="zh-TW" dirty="0">
@@ -20718,7 +20687,7 @@
                 <a:ea typeface="標楷體" panose="03000509000000000000" pitchFamily="65" charset="-120"/>
                 <a:cs typeface="Times New Roman" panose="02020603050405020304" pitchFamily="18" charset="0"/>
               </a:rPr>
-              <a:t>uavcan.node.ExecuteCommand</a:t>
+              <a:t>Uavcan.node.ExecuteCommand</a:t>
             </a:r>
             <a:r>
               <a:rPr lang="en-US" altLang="zh-TW" dirty="0">
@@ -20752,7 +20721,7 @@
                 <a:ea typeface="標楷體" panose="03000509000000000000" pitchFamily="65" charset="-120"/>
                 <a:cs typeface="Times New Roman" panose="02020603050405020304" pitchFamily="18" charset="0"/>
               </a:rPr>
-              <a:t>不常見</a:t>
+              <a:t>特定應用</a:t>
             </a:r>
             <a:endParaRPr lang="en-US" altLang="zh-TW" dirty="0">
               <a:latin typeface="Times New Roman" panose="02020603050405020304" pitchFamily="18" charset="0"/>
@@ -20906,182 +20875,6 @@
     <p:extLst>
       <p:ext uri="{BB962C8B-B14F-4D97-AF65-F5344CB8AC3E}">
         <p14:creationId xmlns:p14="http://schemas.microsoft.com/office/powerpoint/2010/main" val="3750671112"/>
-      </p:ext>
-    </p:extLst>
-  </p:cSld>
-  <p:clrMapOvr>
-    <a:masterClrMapping/>
-  </p:clrMapOvr>
-</p:sld>
-</file>
-
-<file path=ppt/slides/slide24.xml><?xml version="1.0" encoding="utf-8"?>
-<p:sld xmlns:a="http://schemas.openxmlformats.org/drawingml/2006/main" xmlns:r="http://schemas.openxmlformats.org/officeDocument/2006/relationships" xmlns:p="http://schemas.openxmlformats.org/presentationml/2006/main">
-  <p:cSld>
-    <p:spTree>
-      <p:nvGrpSpPr>
-        <p:cNvPr id="1" name="Shape 82"/>
-        <p:cNvGrpSpPr/>
-        <p:nvPr/>
-      </p:nvGrpSpPr>
-      <p:grpSpPr>
-        <a:xfrm>
-          <a:off x="0" y="0"/>
-          <a:ext cx="0" cy="0"/>
-          <a:chOff x="0" y="0"/>
-          <a:chExt cx="0" cy="0"/>
-        </a:xfrm>
-      </p:grpSpPr>
-      <p:sp>
-        <p:nvSpPr>
-          <p:cNvPr id="84" name="Google Shape;84;p17"/>
-          <p:cNvSpPr txBox="1"/>
-          <p:nvPr/>
-        </p:nvSpPr>
-        <p:spPr>
-          <a:xfrm>
-            <a:off x="3453744" y="2767300"/>
-            <a:ext cx="2236511" cy="1323399"/>
-          </a:xfrm>
-          <a:prstGeom prst="rect">
-            <a:avLst/>
-          </a:prstGeom>
-          <a:noFill/>
-          <a:ln>
-            <a:noFill/>
-          </a:ln>
-        </p:spPr>
-        <p:txBody>
-          <a:bodyPr spcFirstLastPara="1" wrap="square" lIns="91425" tIns="45700" rIns="91425" bIns="45700" anchor="t" anchorCtr="0">
-            <a:spAutoFit/>
-          </a:bodyPr>
-          <a:lstStyle/>
-          <a:p>
-            <a:pPr marL="0" marR="0" lvl="0" indent="0" algn="ctr" rtl="0">
-              <a:spcBef>
-                <a:spcPts val="0"/>
-              </a:spcBef>
-              <a:spcAft>
-                <a:spcPts val="0"/>
-              </a:spcAft>
-              <a:buClr>
-                <a:schemeClr val="dk1"/>
-              </a:buClr>
-              <a:buSzPts val="4000"/>
-              <a:buFont typeface="DFKai-SB"/>
-              <a:buNone/>
-            </a:pPr>
-            <a:r>
-              <a:rPr lang="zh-TW" sz="4000" i="0" dirty="0">
-                <a:solidFill>
-                  <a:schemeClr val="dk1"/>
-                </a:solidFill>
-                <a:latin typeface="DFKai-SB"/>
-                <a:ea typeface="DFKai-SB"/>
-                <a:cs typeface="DFKai-SB"/>
-                <a:sym typeface="DFKai-SB"/>
-              </a:rPr>
-              <a:t>報告完畢謝謝老師</a:t>
-            </a:r>
-            <a:endParaRPr sz="2400" i="1" dirty="0">
-              <a:solidFill>
-                <a:schemeClr val="dk1"/>
-              </a:solidFill>
-              <a:latin typeface="Times New Roman"/>
-              <a:ea typeface="Times New Roman"/>
-              <a:cs typeface="Times New Roman"/>
-              <a:sym typeface="Times New Roman"/>
-            </a:endParaRPr>
-          </a:p>
-        </p:txBody>
-      </p:sp>
-    </p:spTree>
-  </p:cSld>
-  <p:clrMapOvr>
-    <a:masterClrMapping/>
-  </p:clrMapOvr>
-</p:sld>
-</file>
-
-<file path=ppt/slides/slide25.xml><?xml version="1.0" encoding="utf-8"?>
-<p:sld xmlns:a="http://schemas.openxmlformats.org/drawingml/2006/main" xmlns:r="http://schemas.openxmlformats.org/officeDocument/2006/relationships" xmlns:p="http://schemas.openxmlformats.org/presentationml/2006/main">
-  <p:cSld>
-    <p:spTree>
-      <p:nvGrpSpPr>
-        <p:cNvPr id="1" name=""/>
-        <p:cNvGrpSpPr/>
-        <p:nvPr/>
-      </p:nvGrpSpPr>
-      <p:grpSpPr>
-        <a:xfrm>
-          <a:off x="0" y="0"/>
-          <a:ext cx="0" cy="0"/>
-          <a:chOff x="0" y="0"/>
-          <a:chExt cx="0" cy="0"/>
-        </a:xfrm>
-      </p:grpSpPr>
-      <p:sp>
-        <p:nvSpPr>
-          <p:cNvPr id="2" name="標題 1">
-            <a:extLst>
-              <a:ext uri="{FF2B5EF4-FFF2-40B4-BE49-F238E27FC236}">
-                <a16:creationId xmlns:a16="http://schemas.microsoft.com/office/drawing/2014/main" id="{5D50DA38-B813-445F-90E2-819DE07ED845}"/>
-              </a:ext>
-            </a:extLst>
-          </p:cNvPr>
-          <p:cNvSpPr>
-            <a:spLocks noGrp="1"/>
-          </p:cNvSpPr>
-          <p:nvPr>
-            <p:ph type="title"/>
-          </p:nvPr>
-        </p:nvSpPr>
-        <p:spPr/>
-        <p:txBody>
-          <a:bodyPr/>
-          <a:lstStyle/>
-          <a:p>
-            <a:endParaRPr lang="zh-TW" altLang="en-US" dirty="0">
-              <a:latin typeface="Times New Roman" panose="02020603050405020304" pitchFamily="18" charset="0"/>
-              <a:ea typeface="標楷體" panose="03000509000000000000" pitchFamily="65" charset="-120"/>
-              <a:cs typeface="Times New Roman" panose="02020603050405020304" pitchFamily="18" charset="0"/>
-            </a:endParaRPr>
-          </a:p>
-        </p:txBody>
-      </p:sp>
-      <p:sp>
-        <p:nvSpPr>
-          <p:cNvPr id="3" name="文字版面配置區 2">
-            <a:extLst>
-              <a:ext uri="{FF2B5EF4-FFF2-40B4-BE49-F238E27FC236}">
-                <a16:creationId xmlns:a16="http://schemas.microsoft.com/office/drawing/2014/main" id="{4299C108-AE4D-45FD-95A1-6EDB7FFEACBF}"/>
-              </a:ext>
-            </a:extLst>
-          </p:cNvPr>
-          <p:cNvSpPr>
-            <a:spLocks noGrp="1"/>
-          </p:cNvSpPr>
-          <p:nvPr>
-            <p:ph type="body" idx="1"/>
-          </p:nvPr>
-        </p:nvSpPr>
-        <p:spPr/>
-        <p:txBody>
-          <a:bodyPr/>
-          <a:lstStyle/>
-          <a:p>
-            <a:endParaRPr lang="en-US" altLang="zh-TW" dirty="0">
-              <a:latin typeface="Times New Roman" panose="02020603050405020304" pitchFamily="18" charset="0"/>
-              <a:ea typeface="標楷體" panose="03000509000000000000" pitchFamily="65" charset="-120"/>
-              <a:cs typeface="Times New Roman" panose="02020603050405020304" pitchFamily="18" charset="0"/>
-            </a:endParaRPr>
-          </a:p>
-        </p:txBody>
-      </p:sp>
-    </p:spTree>
-    <p:extLst>
-      <p:ext uri="{BB962C8B-B14F-4D97-AF65-F5344CB8AC3E}">
-        <p14:creationId xmlns:p14="http://schemas.microsoft.com/office/powerpoint/2010/main" val="1058044189"/>
       </p:ext>
     </p:extLst>
   </p:cSld>
@@ -21654,7 +21447,7 @@
                 <a:ea typeface="標楷體" panose="03000509000000000000" pitchFamily="65" charset="-120"/>
                 <a:cs typeface="Times New Roman" panose="02020603050405020304" pitchFamily="18" charset="0"/>
               </a:rPr>
-              <a:t>固定主題 </a:t>
+              <a:t>固定服務 </a:t>
             </a:r>
             <a:r>
               <a:rPr lang="en-US" altLang="zh-TW" dirty="0">
